--- a/assets/_graphs.pptx
+++ b/assets/_graphs.pptx
@@ -5,8 +5,9 @@
     <p:sldMasterId id="2147483648" r:id="rId1"/>
   </p:sldMasterIdLst>
   <p:sldIdLst>
-    <p:sldId id="256" r:id="rId2"/>
-    <p:sldId id="257" r:id="rId3"/>
+    <p:sldId id="258" r:id="rId2"/>
+    <p:sldId id="256" r:id="rId3"/>
+    <p:sldId id="257" r:id="rId4"/>
   </p:sldIdLst>
   <p:sldSz cx="12192000" cy="6858000"/>
   <p:notesSz cx="6858000" cy="9144000"/>
@@ -105,6 +106,11 @@
       </a:defRPr>
     </a:lvl9pPr>
   </p:defaultTextStyle>
+  <p:extLst>
+    <p:ext uri="{EFAFB233-063F-42B5-8137-9DF3F51BA10A}">
+      <p15:sldGuideLst xmlns:p15="http://schemas.microsoft.com/office/powerpoint/2012/main"/>
+    </p:ext>
+  </p:extLst>
 </p:presentation>
 </file>
 
@@ -265,7 +271,7 @@
           <a:p>
             <a:fld id="{CA3C057F-9EA9-4147-9262-0BA704B13073}" type="datetimeFigureOut">
               <a:rPr lang="en-US" smtClean="0"/>
-              <a:t>6/27/23</a:t>
+              <a:t>2/17/2024</a:t>
             </a:fld>
             <a:endParaRPr lang="en-US"/>
           </a:p>
@@ -465,7 +471,7 @@
           <a:p>
             <a:fld id="{CA3C057F-9EA9-4147-9262-0BA704B13073}" type="datetimeFigureOut">
               <a:rPr lang="en-US" smtClean="0"/>
-              <a:t>6/27/23</a:t>
+              <a:t>2/17/2024</a:t>
             </a:fld>
             <a:endParaRPr lang="en-US"/>
           </a:p>
@@ -675,7 +681,7 @@
           <a:p>
             <a:fld id="{CA3C057F-9EA9-4147-9262-0BA704B13073}" type="datetimeFigureOut">
               <a:rPr lang="en-US" smtClean="0"/>
-              <a:t>6/27/23</a:t>
+              <a:t>2/17/2024</a:t>
             </a:fld>
             <a:endParaRPr lang="en-US"/>
           </a:p>
@@ -875,7 +881,7 @@
           <a:p>
             <a:fld id="{CA3C057F-9EA9-4147-9262-0BA704B13073}" type="datetimeFigureOut">
               <a:rPr lang="en-US" smtClean="0"/>
-              <a:t>6/27/23</a:t>
+              <a:t>2/17/2024</a:t>
             </a:fld>
             <a:endParaRPr lang="en-US"/>
           </a:p>
@@ -1151,7 +1157,7 @@
           <a:p>
             <a:fld id="{CA3C057F-9EA9-4147-9262-0BA704B13073}" type="datetimeFigureOut">
               <a:rPr lang="en-US" smtClean="0"/>
-              <a:t>6/27/23</a:t>
+              <a:t>2/17/2024</a:t>
             </a:fld>
             <a:endParaRPr lang="en-US"/>
           </a:p>
@@ -1419,7 +1425,7 @@
           <a:p>
             <a:fld id="{CA3C057F-9EA9-4147-9262-0BA704B13073}" type="datetimeFigureOut">
               <a:rPr lang="en-US" smtClean="0"/>
-              <a:t>6/27/23</a:t>
+              <a:t>2/17/2024</a:t>
             </a:fld>
             <a:endParaRPr lang="en-US"/>
           </a:p>
@@ -1834,7 +1840,7 @@
           <a:p>
             <a:fld id="{CA3C057F-9EA9-4147-9262-0BA704B13073}" type="datetimeFigureOut">
               <a:rPr lang="en-US" smtClean="0"/>
-              <a:t>6/27/23</a:t>
+              <a:t>2/17/2024</a:t>
             </a:fld>
             <a:endParaRPr lang="en-US"/>
           </a:p>
@@ -1976,7 +1982,7 @@
           <a:p>
             <a:fld id="{CA3C057F-9EA9-4147-9262-0BA704B13073}" type="datetimeFigureOut">
               <a:rPr lang="en-US" smtClean="0"/>
-              <a:t>6/27/23</a:t>
+              <a:t>2/17/2024</a:t>
             </a:fld>
             <a:endParaRPr lang="en-US"/>
           </a:p>
@@ -2089,7 +2095,7 @@
           <a:p>
             <a:fld id="{CA3C057F-9EA9-4147-9262-0BA704B13073}" type="datetimeFigureOut">
               <a:rPr lang="en-US" smtClean="0"/>
-              <a:t>6/27/23</a:t>
+              <a:t>2/17/2024</a:t>
             </a:fld>
             <a:endParaRPr lang="en-US"/>
           </a:p>
@@ -2402,7 +2408,7 @@
           <a:p>
             <a:fld id="{CA3C057F-9EA9-4147-9262-0BA704B13073}" type="datetimeFigureOut">
               <a:rPr lang="en-US" smtClean="0"/>
-              <a:t>6/27/23</a:t>
+              <a:t>2/17/2024</a:t>
             </a:fld>
             <a:endParaRPr lang="en-US"/>
           </a:p>
@@ -2691,7 +2697,7 @@
           <a:p>
             <a:fld id="{CA3C057F-9EA9-4147-9262-0BA704B13073}" type="datetimeFigureOut">
               <a:rPr lang="en-US" smtClean="0"/>
-              <a:t>6/27/23</a:t>
+              <a:t>2/17/2024</a:t>
             </a:fld>
             <a:endParaRPr lang="en-US"/>
           </a:p>
@@ -2934,7 +2940,7 @@
           <a:p>
             <a:fld id="{CA3C057F-9EA9-4147-9262-0BA704B13073}" type="datetimeFigureOut">
               <a:rPr lang="en-US" smtClean="0"/>
-              <a:t>6/27/23</a:t>
+              <a:t>2/17/2024</a:t>
             </a:fld>
             <a:endParaRPr lang="en-US"/>
           </a:p>
@@ -3351,6 +3357,1021 @@
           <a:chExt cx="0" cy="0"/>
         </a:xfrm>
       </p:grpSpPr>
+      <p:grpSp>
+        <p:nvGrpSpPr>
+          <p:cNvPr id="7" name="Group 6"/>
+          <p:cNvGrpSpPr/>
+          <p:nvPr/>
+        </p:nvGrpSpPr>
+        <p:grpSpPr>
+          <a:xfrm>
+            <a:off x="2032385" y="1516958"/>
+            <a:ext cx="8221097" cy="3511760"/>
+            <a:chOff x="2032385" y="1516958"/>
+            <a:chExt cx="8221097" cy="3511760"/>
+          </a:xfrm>
+        </p:grpSpPr>
+        <p:pic>
+          <p:nvPicPr>
+            <p:cNvPr id="33" name="Picture 32"/>
+            <p:cNvPicPr>
+              <a:picLocks noChangeAspect="1"/>
+            </p:cNvPicPr>
+            <p:nvPr/>
+          </p:nvPicPr>
+          <p:blipFill>
+            <a:blip r:embed="rId2">
+              <a:clrChange>
+                <a:clrFrom>
+                  <a:srgbClr val="FFFFFF"/>
+                </a:clrFrom>
+                <a:clrTo>
+                  <a:srgbClr val="FFFFFF">
+                    <a:alpha val="0"/>
+                  </a:srgbClr>
+                </a:clrTo>
+              </a:clrChange>
+            </a:blip>
+            <a:stretch>
+              <a:fillRect/>
+            </a:stretch>
+          </p:blipFill>
+          <p:spPr>
+            <a:xfrm>
+              <a:off x="2034251" y="1898464"/>
+              <a:ext cx="2198474" cy="720000"/>
+            </a:xfrm>
+            <a:prstGeom prst="rect">
+              <a:avLst/>
+            </a:prstGeom>
+          </p:spPr>
+        </p:pic>
+        <p:pic>
+          <p:nvPicPr>
+            <p:cNvPr id="30" name="Picture 29"/>
+            <p:cNvPicPr>
+              <a:picLocks noChangeAspect="1"/>
+            </p:cNvPicPr>
+            <p:nvPr/>
+          </p:nvPicPr>
+          <p:blipFill>
+            <a:blip r:embed="rId3">
+              <a:clrChange>
+                <a:clrFrom>
+                  <a:srgbClr val="FFFFFF"/>
+                </a:clrFrom>
+                <a:clrTo>
+                  <a:srgbClr val="FFFFFF">
+                    <a:alpha val="0"/>
+                  </a:srgbClr>
+                </a:clrTo>
+              </a:clrChange>
+            </a:blip>
+            <a:stretch>
+              <a:fillRect/>
+            </a:stretch>
+          </p:blipFill>
+          <p:spPr>
+            <a:xfrm>
+              <a:off x="3181831" y="3650859"/>
+              <a:ext cx="1737210" cy="720000"/>
+            </a:xfrm>
+            <a:prstGeom prst="rect">
+              <a:avLst/>
+            </a:prstGeom>
+          </p:spPr>
+        </p:pic>
+        <p:pic>
+          <p:nvPicPr>
+            <p:cNvPr id="32" name="Picture 31"/>
+            <p:cNvPicPr>
+              <a:picLocks noChangeAspect="1"/>
+            </p:cNvPicPr>
+            <p:nvPr/>
+          </p:nvPicPr>
+          <p:blipFill>
+            <a:blip r:embed="rId4">
+              <a:clrChange>
+                <a:clrFrom>
+                  <a:srgbClr val="FFFFFF"/>
+                </a:clrFrom>
+                <a:clrTo>
+                  <a:srgbClr val="FFFFFF">
+                    <a:alpha val="0"/>
+                  </a:srgbClr>
+                </a:clrTo>
+              </a:clrChange>
+            </a:blip>
+            <a:stretch>
+              <a:fillRect/>
+            </a:stretch>
+          </p:blipFill>
+          <p:spPr>
+            <a:xfrm>
+              <a:off x="6884494" y="3662389"/>
+              <a:ext cx="2251915" cy="720000"/>
+            </a:xfrm>
+            <a:prstGeom prst="rect">
+              <a:avLst/>
+            </a:prstGeom>
+          </p:spPr>
+        </p:pic>
+        <p:pic>
+          <p:nvPicPr>
+            <p:cNvPr id="35" name="Picture 34"/>
+            <p:cNvPicPr>
+              <a:picLocks noChangeAspect="1"/>
+            </p:cNvPicPr>
+            <p:nvPr/>
+          </p:nvPicPr>
+          <p:blipFill>
+            <a:blip r:embed="rId5">
+              <a:clrChange>
+                <a:clrFrom>
+                  <a:srgbClr val="FFFFFF"/>
+                </a:clrFrom>
+                <a:clrTo>
+                  <a:srgbClr val="FFFFFF">
+                    <a:alpha val="0"/>
+                  </a:srgbClr>
+                </a:clrTo>
+              </a:clrChange>
+            </a:blip>
+            <a:stretch>
+              <a:fillRect/>
+            </a:stretch>
+          </p:blipFill>
+          <p:spPr>
+            <a:xfrm>
+              <a:off x="7849371" y="1988074"/>
+              <a:ext cx="2210527" cy="720000"/>
+            </a:xfrm>
+            <a:prstGeom prst="rect">
+              <a:avLst/>
+            </a:prstGeom>
+          </p:spPr>
+        </p:pic>
+        <p:sp>
+          <p:nvSpPr>
+            <p:cNvPr id="63" name="Rectangle 62"/>
+            <p:cNvSpPr/>
+            <p:nvPr/>
+          </p:nvSpPr>
+          <p:spPr>
+            <a:xfrm>
+              <a:off x="2032385" y="2618464"/>
+              <a:ext cx="2202206" cy="646331"/>
+            </a:xfrm>
+            <a:prstGeom prst="rect">
+              <a:avLst/>
+            </a:prstGeom>
+          </p:spPr>
+          <p:txBody>
+            <a:bodyPr wrap="square">
+              <a:spAutoFit/>
+            </a:bodyPr>
+            <a:lstStyle/>
+            <a:p>
+              <a:pPr algn="ctr"/>
+              <a:r>
+                <a:rPr lang="en-US" altLang="zh-CN" sz="1200" dirty="0">
+                  <a:solidFill>
+                    <a:schemeClr val="tx1">
+                      <a:lumMod val="75000"/>
+                      <a:lumOff val="25000"/>
+                    </a:schemeClr>
+                  </a:solidFill>
+                  <a:cs typeface="Calibri" panose="020F0502020204030204" pitchFamily="34" charset="0"/>
+                </a:rPr>
+                <a:t>AI-powered </a:t>
+              </a:r>
+              <a:r>
+                <a:rPr lang="en-US" altLang="zh-CN" sz="1200" dirty="0" smtClean="0">
+                  <a:solidFill>
+                    <a:schemeClr val="tx1">
+                      <a:lumMod val="75000"/>
+                      <a:lumOff val="25000"/>
+                    </a:schemeClr>
+                  </a:solidFill>
+                  <a:cs typeface="Calibri" panose="020F0502020204030204" pitchFamily="34" charset="0"/>
+                </a:rPr>
+                <a:t>motion </a:t>
+              </a:r>
+              <a:r>
+                <a:rPr lang="en-US" altLang="zh-CN" sz="1200" dirty="0">
+                  <a:solidFill>
+                    <a:schemeClr val="tx1">
+                      <a:lumMod val="75000"/>
+                      <a:lumOff val="25000"/>
+                    </a:schemeClr>
+                  </a:solidFill>
+                  <a:cs typeface="Calibri" panose="020F0502020204030204" pitchFamily="34" charset="0"/>
+                </a:rPr>
+                <a:t>capture solution for </a:t>
+              </a:r>
+              <a:r>
+                <a:rPr lang="en-US" altLang="zh-CN" sz="1200" dirty="0" smtClean="0">
+                  <a:solidFill>
+                    <a:schemeClr val="tx1">
+                      <a:lumMod val="75000"/>
+                      <a:lumOff val="25000"/>
+                    </a:schemeClr>
+                  </a:solidFill>
+                  <a:cs typeface="Calibri" panose="020F0502020204030204" pitchFamily="34" charset="0"/>
+                </a:rPr>
+                <a:t>cost-effective and </a:t>
+              </a:r>
+              <a:r>
+                <a:rPr lang="en-US" altLang="zh-CN" sz="1200" dirty="0">
+                  <a:solidFill>
+                    <a:schemeClr val="tx1">
+                      <a:lumMod val="75000"/>
+                      <a:lumOff val="25000"/>
+                    </a:schemeClr>
+                  </a:solidFill>
+                  <a:cs typeface="Calibri" panose="020F0502020204030204" pitchFamily="34" charset="0"/>
+                </a:rPr>
+                <a:t>ubiquitous 3D mocap</a:t>
+              </a:r>
+            </a:p>
+          </p:txBody>
+        </p:sp>
+        <p:sp>
+          <p:nvSpPr>
+            <p:cNvPr id="64" name="Rectangle 63"/>
+            <p:cNvSpPr/>
+            <p:nvPr/>
+          </p:nvSpPr>
+          <p:spPr>
+            <a:xfrm>
+              <a:off x="2949333" y="4370858"/>
+              <a:ext cx="2202206" cy="646331"/>
+            </a:xfrm>
+            <a:prstGeom prst="rect">
+              <a:avLst/>
+            </a:prstGeom>
+          </p:spPr>
+          <p:txBody>
+            <a:bodyPr wrap="square">
+              <a:spAutoFit/>
+            </a:bodyPr>
+            <a:lstStyle/>
+            <a:p>
+              <a:pPr algn="ctr"/>
+              <a:r>
+                <a:rPr lang="en-US" altLang="zh-CN" sz="1200" dirty="0" smtClean="0">
+                  <a:solidFill>
+                    <a:schemeClr val="tx1">
+                      <a:lumMod val="75000"/>
+                      <a:lumOff val="25000"/>
+                    </a:schemeClr>
+                  </a:solidFill>
+                  <a:cs typeface="Calibri" panose="020F0502020204030204" pitchFamily="34" charset="0"/>
+                </a:rPr>
+                <a:t>Script-based dynamic avatar personalization, animation and diffusive rendering </a:t>
+              </a:r>
+              <a:endParaRPr lang="en-US" altLang="zh-CN" sz="1200" dirty="0">
+                <a:solidFill>
+                  <a:schemeClr val="tx1">
+                    <a:lumMod val="75000"/>
+                    <a:lumOff val="25000"/>
+                  </a:schemeClr>
+                </a:solidFill>
+                <a:cs typeface="Calibri" panose="020F0502020204030204" pitchFamily="34" charset="0"/>
+              </a:endParaRPr>
+            </a:p>
+          </p:txBody>
+        </p:sp>
+        <p:sp>
+          <p:nvSpPr>
+            <p:cNvPr id="65" name="Rectangle 64"/>
+            <p:cNvSpPr/>
+            <p:nvPr/>
+          </p:nvSpPr>
+          <p:spPr>
+            <a:xfrm>
+              <a:off x="6909348" y="4382387"/>
+              <a:ext cx="2202206" cy="646331"/>
+            </a:xfrm>
+            <a:prstGeom prst="rect">
+              <a:avLst/>
+            </a:prstGeom>
+          </p:spPr>
+          <p:txBody>
+            <a:bodyPr wrap="square">
+              <a:spAutoFit/>
+            </a:bodyPr>
+            <a:lstStyle/>
+            <a:p>
+              <a:pPr algn="ctr"/>
+              <a:r>
+                <a:rPr lang="en-US" altLang="zh-CN" sz="1200" dirty="0" smtClean="0">
+                  <a:solidFill>
+                    <a:schemeClr val="tx1">
+                      <a:lumMod val="75000"/>
+                      <a:lumOff val="25000"/>
+                    </a:schemeClr>
+                  </a:solidFill>
+                  <a:cs typeface="Calibri" panose="020F0502020204030204" pitchFamily="34" charset="0"/>
+                </a:rPr>
+                <a:t>Language model for motion generation, styling, and symbolic re-editing </a:t>
+              </a:r>
+              <a:endParaRPr lang="en-US" altLang="zh-CN" sz="1200" dirty="0">
+                <a:solidFill>
+                  <a:schemeClr val="tx1">
+                    <a:lumMod val="75000"/>
+                    <a:lumOff val="25000"/>
+                  </a:schemeClr>
+                </a:solidFill>
+                <a:cs typeface="Calibri" panose="020F0502020204030204" pitchFamily="34" charset="0"/>
+              </a:endParaRPr>
+            </a:p>
+          </p:txBody>
+        </p:sp>
+        <p:sp>
+          <p:nvSpPr>
+            <p:cNvPr id="66" name="Rectangle 65"/>
+            <p:cNvSpPr/>
+            <p:nvPr/>
+          </p:nvSpPr>
+          <p:spPr>
+            <a:xfrm>
+              <a:off x="7655787" y="2708071"/>
+              <a:ext cx="2597695" cy="646331"/>
+            </a:xfrm>
+            <a:prstGeom prst="rect">
+              <a:avLst/>
+            </a:prstGeom>
+          </p:spPr>
+          <p:txBody>
+            <a:bodyPr wrap="square">
+              <a:spAutoFit/>
+            </a:bodyPr>
+            <a:lstStyle/>
+            <a:p>
+              <a:pPr algn="ctr"/>
+              <a:r>
+                <a:rPr lang="en-US" altLang="zh-CN" sz="1200" dirty="0" smtClean="0">
+                  <a:solidFill>
+                    <a:schemeClr val="tx1">
+                      <a:lumMod val="75000"/>
+                      <a:lumOff val="25000"/>
+                    </a:schemeClr>
+                  </a:solidFill>
+                  <a:cs typeface="Calibri" panose="020F0502020204030204" pitchFamily="34" charset="0"/>
+                </a:rPr>
+                <a:t>Immersive and interactive visualization solution with multi-modal and co-evolutionary context</a:t>
+              </a:r>
+              <a:endParaRPr lang="en-US" altLang="zh-CN" sz="1200" dirty="0">
+                <a:solidFill>
+                  <a:schemeClr val="tx1">
+                    <a:lumMod val="75000"/>
+                    <a:lumOff val="25000"/>
+                  </a:schemeClr>
+                </a:solidFill>
+                <a:cs typeface="Calibri" panose="020F0502020204030204" pitchFamily="34" charset="0"/>
+              </a:endParaRPr>
+            </a:p>
+          </p:txBody>
+        </p:sp>
+        <p:sp>
+          <p:nvSpPr>
+            <p:cNvPr id="31" name="Rectangle 30"/>
+            <p:cNvSpPr/>
+            <p:nvPr/>
+          </p:nvSpPr>
+          <p:spPr>
+            <a:xfrm>
+              <a:off x="4719169" y="3402130"/>
+              <a:ext cx="2597695" cy="276999"/>
+            </a:xfrm>
+            <a:prstGeom prst="rect">
+              <a:avLst/>
+            </a:prstGeom>
+          </p:spPr>
+          <p:txBody>
+            <a:bodyPr wrap="square">
+              <a:spAutoFit/>
+            </a:bodyPr>
+            <a:lstStyle/>
+            <a:p>
+              <a:pPr algn="ctr"/>
+              <a:r>
+                <a:rPr lang="en-US" altLang="zh-CN" sz="1200" dirty="0" smtClean="0">
+                  <a:solidFill>
+                    <a:schemeClr val="tx1">
+                      <a:lumMod val="75000"/>
+                      <a:lumOff val="25000"/>
+                    </a:schemeClr>
+                  </a:solidFill>
+                  <a:cs typeface="Calibri" panose="020F0502020204030204" pitchFamily="34" charset="0"/>
+                </a:rPr>
+                <a:t>AI Movie-making in the cloud</a:t>
+              </a:r>
+              <a:endParaRPr lang="en-US" altLang="zh-CN" sz="1200" dirty="0">
+                <a:solidFill>
+                  <a:schemeClr val="tx1">
+                    <a:lumMod val="75000"/>
+                    <a:lumOff val="25000"/>
+                  </a:schemeClr>
+                </a:solidFill>
+                <a:cs typeface="Calibri" panose="020F0502020204030204" pitchFamily="34" charset="0"/>
+              </a:endParaRPr>
+            </a:p>
+          </p:txBody>
+        </p:sp>
+        <p:sp>
+          <p:nvSpPr>
+            <p:cNvPr id="3" name="Oval 2"/>
+            <p:cNvSpPr/>
+            <p:nvPr/>
+          </p:nvSpPr>
+          <p:spPr>
+            <a:xfrm>
+              <a:off x="4252810" y="1516958"/>
+              <a:ext cx="3376223" cy="2382225"/>
+            </a:xfrm>
+            <a:prstGeom prst="ellipse">
+              <a:avLst/>
+            </a:prstGeom>
+            <a:noFill/>
+            <a:ln w="38100">
+              <a:solidFill>
+                <a:schemeClr val="bg1">
+                  <a:lumMod val="85000"/>
+                </a:schemeClr>
+              </a:solidFill>
+            </a:ln>
+          </p:spPr>
+          <p:style>
+            <a:lnRef idx="2">
+              <a:schemeClr val="accent1">
+                <a:shade val="50000"/>
+              </a:schemeClr>
+            </a:lnRef>
+            <a:fillRef idx="1">
+              <a:schemeClr val="accent1"/>
+            </a:fillRef>
+            <a:effectRef idx="0">
+              <a:schemeClr val="accent1"/>
+            </a:effectRef>
+            <a:fontRef idx="minor">
+              <a:schemeClr val="lt1"/>
+            </a:fontRef>
+          </p:style>
+          <p:txBody>
+            <a:bodyPr rtlCol="0" anchor="ctr"/>
+            <a:lstStyle/>
+            <a:p>
+              <a:pPr algn="ctr"/>
+              <a:endParaRPr lang="zh-CN" altLang="en-US">
+                <a:solidFill>
+                  <a:schemeClr val="bg1">
+                    <a:lumMod val="75000"/>
+                  </a:schemeClr>
+                </a:solidFill>
+              </a:endParaRPr>
+            </a:p>
+          </p:txBody>
+        </p:sp>
+        <p:sp>
+          <p:nvSpPr>
+            <p:cNvPr id="2" name="TextBox 1"/>
+            <p:cNvSpPr txBox="1"/>
+            <p:nvPr/>
+          </p:nvSpPr>
+          <p:spPr>
+            <a:xfrm>
+              <a:off x="4848466" y="3157153"/>
+              <a:ext cx="2339102" cy="307777"/>
+            </a:xfrm>
+            <a:prstGeom prst="rect">
+              <a:avLst/>
+            </a:prstGeom>
+            <a:noFill/>
+          </p:spPr>
+          <p:txBody>
+            <a:bodyPr wrap="none" rtlCol="0">
+              <a:spAutoFit/>
+            </a:bodyPr>
+            <a:lstStyle/>
+            <a:p>
+              <a:r>
+                <a:rPr lang="zh-CN" altLang="en-US" sz="1400" dirty="0" smtClean="0">
+                  <a:latin typeface="KaiTi" panose="02010609060101010101" pitchFamily="49" charset="-122"/>
+                  <a:ea typeface="KaiTi" panose="02010609060101010101" pitchFamily="49" charset="-122"/>
+                </a:rPr>
+                <a:t>讓有故事的人拍自己的電影</a:t>
+              </a:r>
+              <a:endParaRPr lang="zh-CN" altLang="en-US" sz="1400" dirty="0">
+                <a:latin typeface="KaiTi" panose="02010609060101010101" pitchFamily="49" charset="-122"/>
+                <a:ea typeface="KaiTi" panose="02010609060101010101" pitchFamily="49" charset="-122"/>
+              </a:endParaRPr>
+            </a:p>
+          </p:txBody>
+        </p:sp>
+        <p:grpSp>
+          <p:nvGrpSpPr>
+            <p:cNvPr id="15" name="Group 14">
+              <a:extLst>
+                <a:ext uri="{FF2B5EF4-FFF2-40B4-BE49-F238E27FC236}">
+                  <a16:creationId xmlns:a16="http://schemas.microsoft.com/office/drawing/2014/main" id="{8CF3A9A9-7B2F-6B9D-7FB3-01FFED1683F5}"/>
+                </a:ext>
+              </a:extLst>
+            </p:cNvPr>
+            <p:cNvGrpSpPr/>
+            <p:nvPr/>
+          </p:nvGrpSpPr>
+          <p:grpSpPr>
+            <a:xfrm>
+              <a:off x="5619739" y="1736825"/>
+              <a:ext cx="796553" cy="1183357"/>
+              <a:chOff x="4910665" y="1251928"/>
+              <a:chExt cx="2795367" cy="4152785"/>
+            </a:xfrm>
+          </p:grpSpPr>
+          <p:sp>
+            <p:nvSpPr>
+              <p:cNvPr id="16" name="Parallelogram 15">
+                <a:extLst>
+                  <a:ext uri="{FF2B5EF4-FFF2-40B4-BE49-F238E27FC236}">
+                    <a16:creationId xmlns:a16="http://schemas.microsoft.com/office/drawing/2014/main" id="{36CBB4D6-0BEB-3BE8-F341-1F254AC81B33}"/>
+                  </a:ext>
+                </a:extLst>
+              </p:cNvPr>
+              <p:cNvSpPr/>
+              <p:nvPr/>
+            </p:nvSpPr>
+            <p:spPr>
+              <a:xfrm rot="5400000">
+                <a:off x="4888629" y="1273964"/>
+                <a:ext cx="1294356" cy="1250284"/>
+              </a:xfrm>
+              <a:prstGeom prst="parallelogram">
+                <a:avLst>
+                  <a:gd name="adj" fmla="val 66849"/>
+                </a:avLst>
+              </a:prstGeom>
+              <a:solidFill>
+                <a:srgbClr val="C00000"/>
+              </a:solidFill>
+              <a:ln>
+                <a:noFill/>
+              </a:ln>
+            </p:spPr>
+            <p:style>
+              <a:lnRef idx="2">
+                <a:schemeClr val="accent1">
+                  <a:shade val="15000"/>
+                </a:schemeClr>
+              </a:lnRef>
+              <a:fillRef idx="1">
+                <a:schemeClr val="accent1"/>
+              </a:fillRef>
+              <a:effectRef idx="0">
+                <a:schemeClr val="accent1"/>
+              </a:effectRef>
+              <a:fontRef idx="minor">
+                <a:schemeClr val="lt1"/>
+              </a:fontRef>
+            </p:style>
+            <p:txBody>
+              <a:bodyPr rtlCol="0" anchor="ctr"/>
+              <a:lstStyle/>
+              <a:p>
+                <a:pPr algn="ctr"/>
+                <a:endParaRPr lang="en-US">
+                  <a:solidFill>
+                    <a:srgbClr val="C00000"/>
+                  </a:solidFill>
+                </a:endParaRPr>
+              </a:p>
+            </p:txBody>
+          </p:sp>
+          <p:sp>
+            <p:nvSpPr>
+              <p:cNvPr id="17" name="Parallelogram 16">
+                <a:extLst>
+                  <a:ext uri="{FF2B5EF4-FFF2-40B4-BE49-F238E27FC236}">
+                    <a16:creationId xmlns:a16="http://schemas.microsoft.com/office/drawing/2014/main" id="{F583D4A5-53C9-2EA9-7FE6-8303412B4A9F}"/>
+                  </a:ext>
+                </a:extLst>
+              </p:cNvPr>
+              <p:cNvSpPr/>
+              <p:nvPr/>
+            </p:nvSpPr>
+            <p:spPr>
+              <a:xfrm rot="9000000">
+                <a:off x="5018415" y="3442745"/>
+                <a:ext cx="2574065" cy="401818"/>
+              </a:xfrm>
+              <a:prstGeom prst="parallelogram">
+                <a:avLst>
+                  <a:gd name="adj" fmla="val 58434"/>
+                </a:avLst>
+              </a:prstGeom>
+              <a:solidFill>
+                <a:schemeClr val="tx1">
+                  <a:lumMod val="65000"/>
+                  <a:lumOff val="35000"/>
+                </a:schemeClr>
+              </a:solidFill>
+              <a:ln>
+                <a:noFill/>
+              </a:ln>
+            </p:spPr>
+            <p:style>
+              <a:lnRef idx="2">
+                <a:schemeClr val="accent1">
+                  <a:shade val="15000"/>
+                </a:schemeClr>
+              </a:lnRef>
+              <a:fillRef idx="1">
+                <a:schemeClr val="accent1"/>
+              </a:fillRef>
+              <a:effectRef idx="0">
+                <a:schemeClr val="accent1"/>
+              </a:effectRef>
+              <a:fontRef idx="minor">
+                <a:schemeClr val="lt1"/>
+              </a:fontRef>
+            </p:style>
+            <p:txBody>
+              <a:bodyPr rtlCol="0" anchor="ctr"/>
+              <a:lstStyle/>
+              <a:p>
+                <a:pPr algn="ctr"/>
+                <a:endParaRPr lang="en-US"/>
+              </a:p>
+            </p:txBody>
+          </p:sp>
+          <p:sp>
+            <p:nvSpPr>
+              <p:cNvPr id="18" name="Parallelogram 17">
+                <a:extLst>
+                  <a:ext uri="{FF2B5EF4-FFF2-40B4-BE49-F238E27FC236}">
+                    <a16:creationId xmlns:a16="http://schemas.microsoft.com/office/drawing/2014/main" id="{0AFF3CA7-3AA2-B50A-F8F5-9400BF6B014D}"/>
+                  </a:ext>
+                </a:extLst>
+              </p:cNvPr>
+              <p:cNvSpPr/>
+              <p:nvPr/>
+            </p:nvSpPr>
+            <p:spPr>
+              <a:xfrm rot="5400000">
+                <a:off x="3499311" y="2663287"/>
+                <a:ext cx="3211745" cy="389030"/>
+              </a:xfrm>
+              <a:prstGeom prst="parallelogram">
+                <a:avLst>
+                  <a:gd name="adj" fmla="val 67393"/>
+                </a:avLst>
+              </a:prstGeom>
+              <a:solidFill>
+                <a:schemeClr val="tx1">
+                  <a:lumMod val="65000"/>
+                  <a:lumOff val="35000"/>
+                </a:schemeClr>
+              </a:solidFill>
+              <a:ln>
+                <a:noFill/>
+              </a:ln>
+            </p:spPr>
+            <p:style>
+              <a:lnRef idx="2">
+                <a:schemeClr val="accent1">
+                  <a:shade val="15000"/>
+                </a:schemeClr>
+              </a:lnRef>
+              <a:fillRef idx="1">
+                <a:schemeClr val="accent1"/>
+              </a:fillRef>
+              <a:effectRef idx="0">
+                <a:schemeClr val="accent1"/>
+              </a:effectRef>
+              <a:fontRef idx="minor">
+                <a:schemeClr val="lt1"/>
+              </a:fontRef>
+            </p:style>
+            <p:txBody>
+              <a:bodyPr rtlCol="0" anchor="ctr"/>
+              <a:lstStyle/>
+              <a:p>
+                <a:pPr algn="ctr"/>
+                <a:endParaRPr lang="en-US"/>
+              </a:p>
+            </p:txBody>
+          </p:sp>
+          <p:sp>
+            <p:nvSpPr>
+              <p:cNvPr id="19" name="Parallelogram 18">
+                <a:extLst>
+                  <a:ext uri="{FF2B5EF4-FFF2-40B4-BE49-F238E27FC236}">
+                    <a16:creationId xmlns:a16="http://schemas.microsoft.com/office/drawing/2014/main" id="{C172E906-F4F1-70E8-E755-7791FD92FC5E}"/>
+                  </a:ext>
+                </a:extLst>
+              </p:cNvPr>
+              <p:cNvSpPr/>
+              <p:nvPr/>
+            </p:nvSpPr>
+            <p:spPr>
+              <a:xfrm rot="5400000">
+                <a:off x="4577657" y="3080858"/>
+                <a:ext cx="2777552" cy="389030"/>
+              </a:xfrm>
+              <a:prstGeom prst="parallelogram">
+                <a:avLst>
+                  <a:gd name="adj" fmla="val 65037"/>
+                </a:avLst>
+              </a:prstGeom>
+              <a:solidFill>
+                <a:srgbClr val="C00000"/>
+              </a:solidFill>
+              <a:ln>
+                <a:noFill/>
+              </a:ln>
+            </p:spPr>
+            <p:style>
+              <a:lnRef idx="2">
+                <a:schemeClr val="accent1">
+                  <a:shade val="15000"/>
+                </a:schemeClr>
+              </a:lnRef>
+              <a:fillRef idx="1">
+                <a:schemeClr val="accent1"/>
+              </a:fillRef>
+              <a:effectRef idx="0">
+                <a:schemeClr val="accent1"/>
+              </a:effectRef>
+              <a:fontRef idx="minor">
+                <a:schemeClr val="lt1"/>
+              </a:fontRef>
+            </p:style>
+            <p:txBody>
+              <a:bodyPr rtlCol="0" anchor="ctr"/>
+              <a:lstStyle/>
+              <a:p>
+                <a:pPr algn="ctr"/>
+                <a:endParaRPr lang="en-US">
+                  <a:solidFill>
+                    <a:srgbClr val="C00000"/>
+                  </a:solidFill>
+                </a:endParaRPr>
+              </a:p>
+            </p:txBody>
+          </p:sp>
+          <p:sp>
+            <p:nvSpPr>
+              <p:cNvPr id="20" name="Trapezium 1">
+                <a:extLst>
+                  <a:ext uri="{FF2B5EF4-FFF2-40B4-BE49-F238E27FC236}">
+                    <a16:creationId xmlns:a16="http://schemas.microsoft.com/office/drawing/2014/main" id="{3D9E27F7-B71C-9298-9FB6-808867FAB1E7}"/>
+                  </a:ext>
+                </a:extLst>
+              </p:cNvPr>
+              <p:cNvSpPr/>
+              <p:nvPr/>
+            </p:nvSpPr>
+            <p:spPr>
+              <a:xfrm rot="5400000">
+                <a:off x="6224175" y="3922857"/>
+                <a:ext cx="2574913" cy="388800"/>
+              </a:xfrm>
+              <a:prstGeom prst="trapezoid">
+                <a:avLst>
+                  <a:gd name="adj" fmla="val 79694"/>
+                </a:avLst>
+              </a:prstGeom>
+              <a:solidFill>
+                <a:srgbClr val="C00000"/>
+              </a:solidFill>
+              <a:ln>
+                <a:noFill/>
+              </a:ln>
+            </p:spPr>
+            <p:style>
+              <a:lnRef idx="2">
+                <a:schemeClr val="accent1">
+                  <a:shade val="15000"/>
+                </a:schemeClr>
+              </a:lnRef>
+              <a:fillRef idx="1">
+                <a:schemeClr val="accent1"/>
+              </a:fillRef>
+              <a:effectRef idx="0">
+                <a:schemeClr val="accent1"/>
+              </a:effectRef>
+              <a:fontRef idx="minor">
+                <a:schemeClr val="lt1"/>
+              </a:fontRef>
+            </p:style>
+            <p:txBody>
+              <a:bodyPr rtlCol="0" anchor="ctr"/>
+              <a:lstStyle/>
+              <a:p>
+                <a:pPr algn="ctr"/>
+                <a:endParaRPr lang="en-US">
+                  <a:solidFill>
+                    <a:srgbClr val="C00000"/>
+                  </a:solidFill>
+                </a:endParaRPr>
+              </a:p>
+            </p:txBody>
+          </p:sp>
+          <p:sp>
+            <p:nvSpPr>
+              <p:cNvPr id="21" name="Trapezium 2">
+                <a:extLst>
+                  <a:ext uri="{FF2B5EF4-FFF2-40B4-BE49-F238E27FC236}">
+                    <a16:creationId xmlns:a16="http://schemas.microsoft.com/office/drawing/2014/main" id="{5F6A3BED-89F2-E45E-E350-A8C41B070B18}"/>
+                  </a:ext>
+                </a:extLst>
+              </p:cNvPr>
+              <p:cNvSpPr/>
+              <p:nvPr/>
+            </p:nvSpPr>
+            <p:spPr>
+              <a:xfrm rot="1972175">
+                <a:off x="6713898" y="4838136"/>
+                <a:ext cx="769810" cy="388800"/>
+              </a:xfrm>
+              <a:prstGeom prst="trapezoid">
+                <a:avLst>
+                  <a:gd name="adj" fmla="val 51609"/>
+                </a:avLst>
+              </a:prstGeom>
+              <a:solidFill>
+                <a:srgbClr val="C00000"/>
+              </a:solidFill>
+              <a:ln>
+                <a:noFill/>
+              </a:ln>
+            </p:spPr>
+            <p:style>
+              <a:lnRef idx="2">
+                <a:schemeClr val="accent1">
+                  <a:shade val="15000"/>
+                </a:schemeClr>
+              </a:lnRef>
+              <a:fillRef idx="1">
+                <a:schemeClr val="accent1"/>
+              </a:fillRef>
+              <a:effectRef idx="0">
+                <a:schemeClr val="accent1"/>
+              </a:effectRef>
+              <a:fontRef idx="minor">
+                <a:schemeClr val="lt1"/>
+              </a:fontRef>
+            </p:style>
+            <p:txBody>
+              <a:bodyPr rtlCol="0" anchor="ctr"/>
+              <a:lstStyle/>
+              <a:p>
+                <a:pPr algn="ctr"/>
+                <a:endParaRPr lang="en-US" dirty="0">
+                  <a:solidFill>
+                    <a:srgbClr val="C00000"/>
+                  </a:solidFill>
+                </a:endParaRPr>
+              </a:p>
+            </p:txBody>
+          </p:sp>
+          <p:sp>
+            <p:nvSpPr>
+              <p:cNvPr id="22" name="Trapezium 3">
+                <a:extLst>
+                  <a:ext uri="{FF2B5EF4-FFF2-40B4-BE49-F238E27FC236}">
+                    <a16:creationId xmlns:a16="http://schemas.microsoft.com/office/drawing/2014/main" id="{5B9D93AE-9AE5-B7C6-FC9F-C9261046C6B6}"/>
+                  </a:ext>
+                </a:extLst>
+              </p:cNvPr>
+              <p:cNvSpPr/>
+              <p:nvPr/>
+            </p:nvSpPr>
+            <p:spPr>
+              <a:xfrm rot="12772630">
+                <a:off x="5973626" y="4400886"/>
+                <a:ext cx="871452" cy="388800"/>
+              </a:xfrm>
+              <a:prstGeom prst="trapezoid">
+                <a:avLst>
+                  <a:gd name="adj" fmla="val 52470"/>
+                </a:avLst>
+              </a:prstGeom>
+              <a:solidFill>
+                <a:srgbClr val="C00000"/>
+              </a:solidFill>
+              <a:ln>
+                <a:noFill/>
+              </a:ln>
+            </p:spPr>
+            <p:style>
+              <a:lnRef idx="2">
+                <a:schemeClr val="accent1">
+                  <a:shade val="15000"/>
+                </a:schemeClr>
+              </a:lnRef>
+              <a:fillRef idx="1">
+                <a:schemeClr val="accent1"/>
+              </a:fillRef>
+              <a:effectRef idx="0">
+                <a:schemeClr val="accent1"/>
+              </a:effectRef>
+              <a:fontRef idx="minor">
+                <a:schemeClr val="lt1"/>
+              </a:fontRef>
+            </p:style>
+            <p:txBody>
+              <a:bodyPr rtlCol="0" anchor="ctr"/>
+              <a:lstStyle/>
+              <a:p>
+                <a:pPr algn="ctr"/>
+                <a:endParaRPr lang="en-US" dirty="0">
+                  <a:solidFill>
+                    <a:srgbClr val="C00000"/>
+                  </a:solidFill>
+                </a:endParaRPr>
+              </a:p>
+            </p:txBody>
+          </p:sp>
+        </p:grpSp>
+        <p:sp>
+          <p:nvSpPr>
+            <p:cNvPr id="5" name="TextBox 4"/>
+            <p:cNvSpPr txBox="1"/>
+            <p:nvPr/>
+          </p:nvSpPr>
+          <p:spPr>
+            <a:xfrm>
+              <a:off x="5608262" y="2880266"/>
+              <a:ext cx="817853" cy="369332"/>
+            </a:xfrm>
+            <a:prstGeom prst="rect">
+              <a:avLst/>
+            </a:prstGeom>
+            <a:noFill/>
+          </p:spPr>
+          <p:txBody>
+            <a:bodyPr wrap="none" rtlCol="0">
+              <a:spAutoFit/>
+            </a:bodyPr>
+            <a:lstStyle/>
+            <a:p>
+              <a:r>
+                <a:rPr lang="en-US" altLang="zh-CN" dirty="0" smtClean="0">
+                  <a:solidFill>
+                    <a:schemeClr val="tx1">
+                      <a:lumMod val="65000"/>
+                      <a:lumOff val="35000"/>
+                    </a:schemeClr>
+                  </a:solidFill>
+                  <a:latin typeface="Consolas" panose="020B0609020204030204" pitchFamily="49" charset="0"/>
+                </a:rPr>
+                <a:t>LUMOS</a:t>
+              </a:r>
+              <a:endParaRPr lang="zh-CN" altLang="en-US" dirty="0">
+                <a:solidFill>
+                  <a:schemeClr val="tx1">
+                    <a:lumMod val="65000"/>
+                    <a:lumOff val="35000"/>
+                  </a:schemeClr>
+                </a:solidFill>
+                <a:latin typeface="Consolas" panose="020B0609020204030204" pitchFamily="49" charset="0"/>
+              </a:endParaRPr>
+            </a:p>
+          </p:txBody>
+        </p:sp>
+      </p:grpSp>
+    </p:spTree>
+    <p:extLst>
+      <p:ext uri="{BB962C8B-B14F-4D97-AF65-F5344CB8AC3E}">
+        <p14:creationId xmlns:p14="http://schemas.microsoft.com/office/powerpoint/2010/main" val="3924464104"/>
+      </p:ext>
+    </p:extLst>
+  </p:cSld>
+  <p:clrMapOvr>
+    <a:masterClrMapping/>
+  </p:clrMapOvr>
+</p:sld>
+</file>
+
+<file path=ppt/slides/slide2.xml><?xml version="1.0" encoding="utf-8"?>
+<p:sld xmlns:a="http://schemas.openxmlformats.org/drawingml/2006/main" xmlns:r="http://schemas.openxmlformats.org/officeDocument/2006/relationships" xmlns:p="http://schemas.openxmlformats.org/presentationml/2006/main">
+  <p:cSld>
+    <p:spTree>
+      <p:nvGrpSpPr>
+        <p:cNvPr id="1" name=""/>
+        <p:cNvGrpSpPr/>
+        <p:nvPr/>
+      </p:nvGrpSpPr>
+      <p:grpSpPr>
+        <a:xfrm>
+          <a:off x="0" y="0"/>
+          <a:ext cx="0" cy="0"/>
+          <a:chOff x="0" y="0"/>
+          <a:chExt cx="0" cy="0"/>
+        </a:xfrm>
+      </p:grpSpPr>
       <p:sp>
         <p:nvSpPr>
           <p:cNvPr id="4" name="Rounded Rectangle 3">
@@ -3421,7 +4442,7 @@
           <a:blip r:embed="rId2">
             <a:extLst>
               <a:ext uri="{96DAC541-7B7A-43D3-8B79-37D633B846F1}">
-                <asvg:svgBlip xmlns:asvg="http://schemas.microsoft.com/office/drawing/2016/SVG/main" r:embed="rId3"/>
+                <asvg:svgBlip xmlns="" xmlns:asvg="http://schemas.microsoft.com/office/drawing/2016/SVG/main" r:embed="rId3"/>
               </a:ext>
             </a:extLst>
           </a:blip>
@@ -3509,7 +4530,7 @@
           <a:blip r:embed="rId4">
             <a:extLst>
               <a:ext uri="{96DAC541-7B7A-43D3-8B79-37D633B846F1}">
-                <asvg:svgBlip xmlns:asvg="http://schemas.microsoft.com/office/drawing/2016/SVG/main" r:embed="rId5"/>
+                <asvg:svgBlip xmlns="" xmlns:asvg="http://schemas.microsoft.com/office/drawing/2016/SVG/main" r:embed="rId5"/>
               </a:ext>
             </a:extLst>
           </a:blip>
@@ -3545,7 +4566,7 @@
           <a:blip r:embed="rId6">
             <a:extLst>
               <a:ext uri="{96DAC541-7B7A-43D3-8B79-37D633B846F1}">
-                <asvg:svgBlip xmlns:asvg="http://schemas.microsoft.com/office/drawing/2016/SVG/main" r:embed="rId7"/>
+                <asvg:svgBlip xmlns="" xmlns:asvg="http://schemas.microsoft.com/office/drawing/2016/SVG/main" r:embed="rId7"/>
               </a:ext>
             </a:extLst>
           </a:blip>
@@ -3576,7 +4597,7 @@
 </p:sld>
 </file>
 
-<file path=ppt/slides/slide2.xml><?xml version="1.0" encoding="utf-8"?>
+<file path=ppt/slides/slide3.xml><?xml version="1.0" encoding="utf-8"?>
 <p:sld xmlns:a="http://schemas.openxmlformats.org/drawingml/2006/main" xmlns:r="http://schemas.openxmlformats.org/officeDocument/2006/relationships" xmlns:p="http://schemas.openxmlformats.org/presentationml/2006/main">
   <p:cSld>
     <p:spTree>
